--- a/Intro to Software Engineering CSC 212-90/Poster/qcc_poster_template_48x36.pptx
+++ b/Intro to Software Engineering CSC 212-90/Poster/qcc_poster_template_48x36.pptx
@@ -3843,10 +3843,10 @@
       </p:sp>
       <p:pic>
         <p:nvPicPr>
-          <p:cNvPr id="36" name="Picture 35">
+          <p:cNvPr id="40" name="Picture 39">
             <a:extLst>
               <a:ext uri="{FF2B5EF4-FFF2-40B4-BE49-F238E27FC236}">
-                <a16:creationId xmlns:a16="http://schemas.microsoft.com/office/drawing/2014/main" id="{94FD42CD-0AEF-DA65-92FA-11B41F939719}"/>
+                <a16:creationId xmlns:a16="http://schemas.microsoft.com/office/drawing/2014/main" id="{D696E784-7D98-A3FE-C6DA-FF8A1F356D55}"/>
               </a:ext>
             </a:extLst>
           </p:cNvPr>
@@ -3857,13 +3857,14 @@
         </p:nvPicPr>
         <p:blipFill>
           <a:blip r:embed="rId5"/>
-          <a:srcRect/>
-          <a:stretch/>
+          <a:stretch>
+            <a:fillRect/>
+          </a:stretch>
         </p:blipFill>
         <p:spPr>
           <a:xfrm>
-            <a:off x="16171985" y="11802620"/>
-            <a:ext cx="12044914" cy="6035367"/>
+            <a:off x="30660510" y="17109020"/>
+            <a:ext cx="12307578" cy="14321911"/>
           </a:xfrm>
           <a:prstGeom prst="rect">
             <a:avLst/>
@@ -3872,10 +3873,10 @@
       </p:pic>
       <p:pic>
         <p:nvPicPr>
-          <p:cNvPr id="40" name="Picture 39">
+          <p:cNvPr id="24" name="Picture 23">
             <a:extLst>
               <a:ext uri="{FF2B5EF4-FFF2-40B4-BE49-F238E27FC236}">
-                <a16:creationId xmlns:a16="http://schemas.microsoft.com/office/drawing/2014/main" id="{D696E784-7D98-A3FE-C6DA-FF8A1F356D55}"/>
+                <a16:creationId xmlns:a16="http://schemas.microsoft.com/office/drawing/2014/main" id="{C515486B-2DC3-3990-08DE-F1342B17A56E}"/>
               </a:ext>
             </a:extLst>
           </p:cNvPr>
@@ -3892,8 +3893,8 @@
         </p:blipFill>
         <p:spPr>
           <a:xfrm>
-            <a:off x="30660510" y="17109020"/>
-            <a:ext cx="12307578" cy="14321911"/>
+            <a:off x="16011102" y="11546522"/>
+            <a:ext cx="12072286" cy="6753454"/>
           </a:xfrm>
           <a:prstGeom prst="rect">
             <a:avLst/>
